--- a/Presentazione standard1.pptx
+++ b/Presentazione standard1.pptx
@@ -9,6 +9,7 @@
     <p:sldId id="258" r:id="rId3"/>
     <p:sldId id="256" r:id="rId4"/>
     <p:sldId id="259" r:id="rId5"/>
+    <p:sldId id="260" r:id="rId6"/>
   </p:sldIdLst>
   <p:sldSz cx="12192000" cy="6858000"/>
   <p:notesSz cx="6858000" cy="9144000"/>
@@ -107,6 +108,11 @@
       </a:defRPr>
     </a:lvl9pPr>
   </p:defaultTextStyle>
+  <p:extLst>
+    <p:ext uri="{EFAFB233-063F-42B5-8137-9DF3F51BA10A}">
+      <p15:sldGuideLst xmlns:p15="http://schemas.microsoft.com/office/powerpoint/2012/main"/>
+    </p:ext>
+  </p:extLst>
 </p:presentation>
 </file>
 
@@ -241,7 +247,7 @@
           <a:p>
             <a:fld id="{06CD504D-6D04-4A8D-A8D3-25CF0CDD98B7}" type="datetimeFigureOut">
               <a:rPr lang="it-IT" smtClean="0"/>
-              <a:t>09/09/2020</a:t>
+              <a:t>30/09/2020</a:t>
             </a:fld>
             <a:endParaRPr lang="it-IT"/>
           </a:p>
@@ -411,7 +417,7 @@
           <a:p>
             <a:fld id="{06CD504D-6D04-4A8D-A8D3-25CF0CDD98B7}" type="datetimeFigureOut">
               <a:rPr lang="it-IT" smtClean="0"/>
-              <a:t>09/09/2020</a:t>
+              <a:t>30/09/2020</a:t>
             </a:fld>
             <a:endParaRPr lang="it-IT"/>
           </a:p>
@@ -591,7 +597,7 @@
           <a:p>
             <a:fld id="{06CD504D-6D04-4A8D-A8D3-25CF0CDD98B7}" type="datetimeFigureOut">
               <a:rPr lang="it-IT" smtClean="0"/>
-              <a:t>09/09/2020</a:t>
+              <a:t>30/09/2020</a:t>
             </a:fld>
             <a:endParaRPr lang="it-IT"/>
           </a:p>
@@ -761,7 +767,7 @@
           <a:p>
             <a:fld id="{06CD504D-6D04-4A8D-A8D3-25CF0CDD98B7}" type="datetimeFigureOut">
               <a:rPr lang="it-IT" smtClean="0"/>
-              <a:t>09/09/2020</a:t>
+              <a:t>30/09/2020</a:t>
             </a:fld>
             <a:endParaRPr lang="it-IT"/>
           </a:p>
@@ -1007,7 +1013,7 @@
           <a:p>
             <a:fld id="{06CD504D-6D04-4A8D-A8D3-25CF0CDD98B7}" type="datetimeFigureOut">
               <a:rPr lang="it-IT" smtClean="0"/>
-              <a:t>09/09/2020</a:t>
+              <a:t>30/09/2020</a:t>
             </a:fld>
             <a:endParaRPr lang="it-IT"/>
           </a:p>
@@ -1239,7 +1245,7 @@
           <a:p>
             <a:fld id="{06CD504D-6D04-4A8D-A8D3-25CF0CDD98B7}" type="datetimeFigureOut">
               <a:rPr lang="it-IT" smtClean="0"/>
-              <a:t>09/09/2020</a:t>
+              <a:t>30/09/2020</a:t>
             </a:fld>
             <a:endParaRPr lang="it-IT"/>
           </a:p>
@@ -1606,7 +1612,7 @@
           <a:p>
             <a:fld id="{06CD504D-6D04-4A8D-A8D3-25CF0CDD98B7}" type="datetimeFigureOut">
               <a:rPr lang="it-IT" smtClean="0"/>
-              <a:t>09/09/2020</a:t>
+              <a:t>30/09/2020</a:t>
             </a:fld>
             <a:endParaRPr lang="it-IT"/>
           </a:p>
@@ -1724,7 +1730,7 @@
           <a:p>
             <a:fld id="{06CD504D-6D04-4A8D-A8D3-25CF0CDD98B7}" type="datetimeFigureOut">
               <a:rPr lang="it-IT" smtClean="0"/>
-              <a:t>09/09/2020</a:t>
+              <a:t>30/09/2020</a:t>
             </a:fld>
             <a:endParaRPr lang="it-IT"/>
           </a:p>
@@ -1819,7 +1825,7 @@
           <a:p>
             <a:fld id="{06CD504D-6D04-4A8D-A8D3-25CF0CDD98B7}" type="datetimeFigureOut">
               <a:rPr lang="it-IT" smtClean="0"/>
-              <a:t>09/09/2020</a:t>
+              <a:t>30/09/2020</a:t>
             </a:fld>
             <a:endParaRPr lang="it-IT"/>
           </a:p>
@@ -2096,7 +2102,7 @@
           <a:p>
             <a:fld id="{06CD504D-6D04-4A8D-A8D3-25CF0CDD98B7}" type="datetimeFigureOut">
               <a:rPr lang="it-IT" smtClean="0"/>
-              <a:t>09/09/2020</a:t>
+              <a:t>30/09/2020</a:t>
             </a:fld>
             <a:endParaRPr lang="it-IT"/>
           </a:p>
@@ -2349,7 +2355,7 @@
           <a:p>
             <a:fld id="{06CD504D-6D04-4A8D-A8D3-25CF0CDD98B7}" type="datetimeFigureOut">
               <a:rPr lang="it-IT" smtClean="0"/>
-              <a:t>09/09/2020</a:t>
+              <a:t>30/09/2020</a:t>
             </a:fld>
             <a:endParaRPr lang="it-IT"/>
           </a:p>
@@ -2562,7 +2568,7 @@
           <a:p>
             <a:fld id="{06CD504D-6D04-4A8D-A8D3-25CF0CDD98B7}" type="datetimeFigureOut">
               <a:rPr lang="it-IT" smtClean="0"/>
-              <a:t>09/09/2020</a:t>
+              <a:t>30/09/2020</a:t>
             </a:fld>
             <a:endParaRPr lang="it-IT"/>
           </a:p>
@@ -4786,11 +4792,7 @@
           <a:p>
             <a:r>
               <a:rPr lang="it-IT" dirty="0" smtClean="0"/>
-              <a:t>}</a:t>
-            </a:r>
-            <a:r>
-              <a:rPr lang="it-IT" dirty="0" smtClean="0"/>
-              <a:t> </a:t>
+              <a:t>} </a:t>
             </a:r>
             <a:r>
               <a:rPr lang="it-IT" dirty="0" err="1" smtClean="0"/>
@@ -4913,6 +4915,241 @@
     <p:extLst>
       <p:ext uri="{BB962C8B-B14F-4D97-AF65-F5344CB8AC3E}">
         <p14:creationId xmlns:p14="http://schemas.microsoft.com/office/powerpoint/2010/main" val="3357449139"/>
+      </p:ext>
+    </p:extLst>
+  </p:cSld>
+  <p:clrMapOvr>
+    <a:masterClrMapping/>
+  </p:clrMapOvr>
+</p:sld>
+</file>
+
+<file path=ppt/slides/slide5.xml><?xml version="1.0" encoding="utf-8"?>
+<p:sld xmlns:a="http://schemas.openxmlformats.org/drawingml/2006/main" xmlns:r="http://schemas.openxmlformats.org/officeDocument/2006/relationships" xmlns:p="http://schemas.openxmlformats.org/presentationml/2006/main">
+  <p:cSld>
+    <p:spTree>
+      <p:nvGrpSpPr>
+        <p:cNvPr id="1" name=""/>
+        <p:cNvGrpSpPr/>
+        <p:nvPr/>
+      </p:nvGrpSpPr>
+      <p:grpSpPr>
+        <a:xfrm>
+          <a:off x="0" y="0"/>
+          <a:ext cx="0" cy="0"/>
+          <a:chOff x="0" y="0"/>
+          <a:chExt cx="0" cy="0"/>
+        </a:xfrm>
+      </p:grpSpPr>
+      <p:sp>
+        <p:nvSpPr>
+          <p:cNvPr id="4" name="Ovale 3"/>
+          <p:cNvSpPr/>
+          <p:nvPr/>
+        </p:nvSpPr>
+        <p:spPr>
+          <a:xfrm>
+            <a:off x="3632663" y="1637608"/>
+            <a:ext cx="1637606" cy="1446414"/>
+          </a:xfrm>
+          <a:prstGeom prst="ellipse">
+            <a:avLst/>
+          </a:prstGeom>
+        </p:spPr>
+        <p:style>
+          <a:lnRef idx="2">
+            <a:schemeClr val="accent1">
+              <a:shade val="50000"/>
+            </a:schemeClr>
+          </a:lnRef>
+          <a:fillRef idx="1">
+            <a:schemeClr val="accent1"/>
+          </a:fillRef>
+          <a:effectRef idx="0">
+            <a:schemeClr val="accent1"/>
+          </a:effectRef>
+          <a:fontRef idx="minor">
+            <a:schemeClr val="lt1"/>
+          </a:fontRef>
+        </p:style>
+        <p:txBody>
+          <a:bodyPr rtlCol="0" anchor="ctr"/>
+          <a:lstStyle/>
+          <a:p>
+            <a:pPr algn="ctr"/>
+            <a:r>
+              <a:rPr lang="it-IT" dirty="0" err="1" smtClean="0"/>
+              <a:t>Wait</a:t>
+            </a:r>
+            <a:r>
+              <a:rPr lang="it-IT" dirty="0" smtClean="0"/>
+              <a:t> BC</a:t>
+            </a:r>
+            <a:endParaRPr lang="it-IT" dirty="0"/>
+          </a:p>
+        </p:txBody>
+      </p:sp>
+      <p:cxnSp>
+        <p:nvCxnSpPr>
+          <p:cNvPr id="6" name="Connettore 2 5"/>
+          <p:cNvCxnSpPr>
+            <a:endCxn id="4" idx="0"/>
+          </p:cNvCxnSpPr>
+          <p:nvPr/>
+        </p:nvCxnSpPr>
+        <p:spPr>
+          <a:xfrm flipH="1">
+            <a:off x="4451466" y="781396"/>
+            <a:ext cx="12469" cy="856212"/>
+          </a:xfrm>
+          <a:prstGeom prst="straightConnector1">
+            <a:avLst/>
+          </a:prstGeom>
+          <a:ln>
+            <a:tailEnd type="triangle"/>
+          </a:ln>
+        </p:spPr>
+        <p:style>
+          <a:lnRef idx="1">
+            <a:schemeClr val="accent1"/>
+          </a:lnRef>
+          <a:fillRef idx="0">
+            <a:schemeClr val="accent1"/>
+          </a:fillRef>
+          <a:effectRef idx="0">
+            <a:schemeClr val="accent1"/>
+          </a:effectRef>
+          <a:fontRef idx="minor">
+            <a:schemeClr val="tx1"/>
+          </a:fontRef>
+        </p:style>
+      </p:cxnSp>
+      <p:cxnSp>
+        <p:nvCxnSpPr>
+          <p:cNvPr id="11" name="Connettore 2 10"/>
+          <p:cNvCxnSpPr>
+            <a:stCxn id="4" idx="6"/>
+          </p:cNvCxnSpPr>
+          <p:nvPr/>
+        </p:nvCxnSpPr>
+        <p:spPr>
+          <a:xfrm>
+            <a:off x="5270269" y="2360815"/>
+            <a:ext cx="2252749" cy="66501"/>
+          </a:xfrm>
+          <a:prstGeom prst="straightConnector1">
+            <a:avLst/>
+          </a:prstGeom>
+          <a:ln>
+            <a:tailEnd type="triangle"/>
+          </a:ln>
+        </p:spPr>
+        <p:style>
+          <a:lnRef idx="1">
+            <a:schemeClr val="accent1"/>
+          </a:lnRef>
+          <a:fillRef idx="0">
+            <a:schemeClr val="accent1"/>
+          </a:fillRef>
+          <a:effectRef idx="0">
+            <a:schemeClr val="accent1"/>
+          </a:effectRef>
+          <a:fontRef idx="minor">
+            <a:schemeClr val="tx1"/>
+          </a:fontRef>
+        </p:style>
+      </p:cxnSp>
+      <p:sp>
+        <p:nvSpPr>
+          <p:cNvPr id="12" name="Ovale 11"/>
+          <p:cNvSpPr/>
+          <p:nvPr/>
+        </p:nvSpPr>
+        <p:spPr>
+          <a:xfrm>
+            <a:off x="7523018" y="1533698"/>
+            <a:ext cx="2211186" cy="1787236"/>
+          </a:xfrm>
+          <a:prstGeom prst="ellipse">
+            <a:avLst/>
+          </a:prstGeom>
+        </p:spPr>
+        <p:style>
+          <a:lnRef idx="2">
+            <a:schemeClr val="accent1">
+              <a:shade val="50000"/>
+            </a:schemeClr>
+          </a:lnRef>
+          <a:fillRef idx="1">
+            <a:schemeClr val="accent1"/>
+          </a:fillRef>
+          <a:effectRef idx="0">
+            <a:schemeClr val="accent1"/>
+          </a:effectRef>
+          <a:fontRef idx="minor">
+            <a:schemeClr val="lt1"/>
+          </a:fontRef>
+        </p:style>
+        <p:txBody>
+          <a:bodyPr rtlCol="0" anchor="ctr"/>
+          <a:lstStyle/>
+          <a:p>
+            <a:pPr algn="ctr"/>
+            <a:r>
+              <a:rPr lang="it-IT" dirty="0" err="1" smtClean="0"/>
+              <a:t>Waiting</a:t>
+            </a:r>
+            <a:r>
+              <a:rPr lang="it-IT" dirty="0" smtClean="0"/>
+              <a:t> For Msg </a:t>
+            </a:r>
+            <a:r>
+              <a:rPr lang="it-IT" dirty="0" err="1" smtClean="0"/>
+              <a:t>Completed</a:t>
+            </a:r>
+            <a:endParaRPr lang="it-IT" dirty="0"/>
+          </a:p>
+        </p:txBody>
+      </p:sp>
+      <p:cxnSp>
+        <p:nvCxnSpPr>
+          <p:cNvPr id="14" name="Connettore 2 13"/>
+          <p:cNvCxnSpPr>
+            <a:endCxn id="4" idx="5"/>
+          </p:cNvCxnSpPr>
+          <p:nvPr/>
+        </p:nvCxnSpPr>
+        <p:spPr>
+          <a:xfrm flipH="1" flipV="1">
+            <a:off x="5030447" y="2872200"/>
+            <a:ext cx="3598165" cy="328201"/>
+          </a:xfrm>
+          <a:prstGeom prst="straightConnector1">
+            <a:avLst/>
+          </a:prstGeom>
+          <a:ln>
+            <a:tailEnd type="triangle"/>
+          </a:ln>
+        </p:spPr>
+        <p:style>
+          <a:lnRef idx="1">
+            <a:schemeClr val="accent1"/>
+          </a:lnRef>
+          <a:fillRef idx="0">
+            <a:schemeClr val="accent1"/>
+          </a:fillRef>
+          <a:effectRef idx="0">
+            <a:schemeClr val="accent1"/>
+          </a:effectRef>
+          <a:fontRef idx="minor">
+            <a:schemeClr val="tx1"/>
+          </a:fontRef>
+        </p:style>
+      </p:cxnSp>
+    </p:spTree>
+    <p:extLst>
+      <p:ext uri="{BB962C8B-B14F-4D97-AF65-F5344CB8AC3E}">
+        <p14:creationId xmlns:p14="http://schemas.microsoft.com/office/powerpoint/2010/main" val="2980586620"/>
       </p:ext>
     </p:extLst>
   </p:cSld>

--- a/Presentazione standard1.pptx
+++ b/Presentazione standard1.pptx
@@ -5029,13 +5029,14 @@
           <p:cNvPr id="11" name="Connettore 2 10"/>
           <p:cNvCxnSpPr>
             <a:stCxn id="4" idx="6"/>
+            <a:endCxn id="12" idx="2"/>
           </p:cNvCxnSpPr>
           <p:nvPr/>
         </p:nvCxnSpPr>
         <p:spPr>
           <a:xfrm>
             <a:off x="5270269" y="2360815"/>
-            <a:ext cx="2252749" cy="66501"/>
+            <a:ext cx="1745673" cy="0"/>
           </a:xfrm>
           <a:prstGeom prst="straightConnector1">
             <a:avLst/>
@@ -5067,7 +5068,7 @@
         </p:nvSpPr>
         <p:spPr>
           <a:xfrm>
-            <a:off x="7523018" y="1533698"/>
+            <a:off x="7015942" y="1467197"/>
             <a:ext cx="2211186" cy="1787236"/>
           </a:xfrm>
           <a:prstGeom prst="ellipse">
@@ -5115,6 +5116,7 @@
         <p:nvCxnSpPr>
           <p:cNvPr id="14" name="Connettore 2 13"/>
           <p:cNvCxnSpPr>
+            <a:stCxn id="12" idx="3"/>
             <a:endCxn id="4" idx="5"/>
           </p:cNvCxnSpPr>
           <p:nvPr/>
@@ -5122,7 +5124,7 @@
         <p:spPr>
           <a:xfrm flipH="1" flipV="1">
             <a:off x="5030447" y="2872200"/>
-            <a:ext cx="3598165" cy="328201"/>
+            <a:ext cx="2309316" cy="120498"/>
           </a:xfrm>
           <a:prstGeom prst="straightConnector1">
             <a:avLst/>
